--- a/presentations/2013-03 HIMSS/FHIR HIMSS 2013.pptx
+++ b/presentations/2013-03 HIMSS/FHIR HIMSS 2013.pptx
@@ -1034,7 +1034,7 @@
         </p:nvSpPr>
         <p:spPr bwMode="auto">
           <a:xfrm>
-            <a:off x="347663" y="6475413"/>
+            <a:off x="838200" y="6460704"/>
             <a:ext cx="7392987" cy="214312"/>
           </a:xfrm>
           <a:prstGeom prst="rect">
@@ -1071,14 +1071,29 @@
           <a:lstStyle/>
           <a:p>
             <a:r>
-              <a:rPr lang="en-US" sz="800">
+              <a:rPr lang="en-US" sz="800" dirty="0">
                 <a:solidFill>
                   <a:srgbClr val="BFBFBF"/>
                 </a:solidFill>
                 <a:latin typeface="Calibri" pitchFamily="34" charset="0"/>
               </a:rPr>
-              <a:t>© 2013 Health Level Seven ® International. All Rights Reserved. HL7 and Health Level Seven are registered trademarks of Health Level Seven International. Reg. U.S. TM Office.</a:t>
-            </a:r>
+              <a:t>© 2013 Health Level Seven ® International. All Rights Reserved. HL7 and Health Level Seven are registered trademarks of Health Level Seven International. Reg. U.S. TM Office</a:t>
+            </a:r>
+            <a:r>
+              <a:rPr lang="en-US" sz="800" dirty="0" smtClean="0">
+                <a:solidFill>
+                  <a:srgbClr val="BFBFBF"/>
+                </a:solidFill>
+                <a:latin typeface="Calibri" pitchFamily="34" charset="0"/>
+              </a:rPr>
+              <a:t>.</a:t>
+            </a:r>
+            <a:endParaRPr lang="en-US" sz="800" dirty="0">
+              <a:solidFill>
+                <a:srgbClr val="BFBFBF"/>
+              </a:solidFill>
+              <a:latin typeface="Calibri" pitchFamily="34" charset="0"/>
+            </a:endParaRPr>
           </a:p>
         </p:txBody>
       </p:sp>
@@ -1192,10 +1207,133 @@
               <a:pPr/>
               <a:t>‹#›</a:t>
             </a:fld>
-            <a:endParaRPr lang="en-US"/>
-          </a:p>
-        </p:txBody>
-      </p:sp>
+            <a:endParaRPr lang="en-US" dirty="0"/>
+          </a:p>
+        </p:txBody>
+      </p:sp>
+      <p:sp>
+        <p:nvSpPr>
+          <p:cNvPr id="6" name="TextBox 1"/>
+          <p:cNvSpPr txBox="1">
+            <a:spLocks noChangeArrowheads="1"/>
+          </p:cNvSpPr>
+          <p:nvPr userDrawn="1"/>
+        </p:nvSpPr>
+        <p:spPr bwMode="auto">
+          <a:xfrm>
+            <a:off x="838199" y="6643688"/>
+            <a:ext cx="7392987" cy="214312"/>
+          </a:xfrm>
+          <a:prstGeom prst="rect">
+            <a:avLst/>
+          </a:prstGeom>
+          <a:noFill/>
+          <a:ln>
+            <a:noFill/>
+          </a:ln>
+          <a:extLst>
+            <a:ext uri="{909E8E84-426E-40DD-AFC4-6F175D3DCCD1}">
+              <a14:hiddenFill xmlns:a14="http://schemas.microsoft.com/office/drawing/2010/main">
+                <a:solidFill>
+                  <a:srgbClr val="FFFFFF"/>
+                </a:solidFill>
+              </a14:hiddenFill>
+            </a:ext>
+            <a:ext uri="{91240B29-F687-4F45-9708-019B960494DF}">
+              <a14:hiddenLine xmlns:a14="http://schemas.microsoft.com/office/drawing/2010/main" w="9525">
+                <a:solidFill>
+                  <a:srgbClr val="000000"/>
+                </a:solidFill>
+                <a:miter lim="800000"/>
+                <a:headEnd/>
+                <a:tailEnd/>
+              </a14:hiddenLine>
+            </a:ext>
+          </a:extLst>
+        </p:spPr>
+        <p:txBody>
+          <a:bodyPr>
+            <a:spAutoFit/>
+          </a:bodyPr>
+          <a:lstStyle/>
+          <a:p>
+            <a:r>
+              <a:rPr lang="en-AU" sz="800" dirty="0" smtClean="0">
+                <a:solidFill>
+                  <a:srgbClr val="BFBFBF"/>
+                </a:solidFill>
+                <a:latin typeface="Calibri" pitchFamily="34" charset="0"/>
+              </a:rPr>
+              <a:t>This work is licensed under a Creative Commons Attribution 3.0 </a:t>
+            </a:r>
+            <a:r>
+              <a:rPr lang="en-AU" sz="800" dirty="0" err="1" smtClean="0">
+                <a:solidFill>
+                  <a:srgbClr val="BFBFBF"/>
+                </a:solidFill>
+                <a:latin typeface="Calibri" pitchFamily="34" charset="0"/>
+              </a:rPr>
+              <a:t>Unported</a:t>
+            </a:r>
+            <a:r>
+              <a:rPr lang="en-AU" sz="800" dirty="0" smtClean="0">
+                <a:solidFill>
+                  <a:srgbClr val="BFBFBF"/>
+                </a:solidFill>
+                <a:latin typeface="Calibri" pitchFamily="34" charset="0"/>
+              </a:rPr>
+              <a:t> License.</a:t>
+            </a:r>
+            <a:endParaRPr lang="en-US" sz="800" dirty="0">
+              <a:solidFill>
+                <a:srgbClr val="BFBFBF"/>
+              </a:solidFill>
+              <a:latin typeface="Calibri" pitchFamily="34" charset="0"/>
+            </a:endParaRPr>
+          </a:p>
+        </p:txBody>
+      </p:sp>
+      <p:pic>
+        <p:nvPicPr>
+          <p:cNvPr id="1026" name="Picture 2" descr="Creative Commons License"/>
+          <p:cNvPicPr>
+            <a:picLocks noChangeAspect="1" noChangeArrowheads="1"/>
+          </p:cNvPicPr>
+          <p:nvPr userDrawn="1"/>
+        </p:nvPicPr>
+        <p:blipFill>
+          <a:blip r:embed="rId2">
+            <a:extLst>
+              <a:ext uri="{28A0092B-C50C-407E-A947-70E740481C1C}">
+                <a14:useLocalDpi xmlns:a14="http://schemas.microsoft.com/office/drawing/2010/main" val="0"/>
+              </a:ext>
+            </a:extLst>
+          </a:blip>
+          <a:srcRect/>
+          <a:stretch>
+            <a:fillRect/>
+          </a:stretch>
+        </p:blipFill>
+        <p:spPr bwMode="auto">
+          <a:xfrm>
+            <a:off x="0" y="6569869"/>
+            <a:ext cx="838200" cy="295275"/>
+          </a:xfrm>
+          <a:prstGeom prst="rect">
+            <a:avLst/>
+          </a:prstGeom>
+          <a:noFill/>
+          <a:extLst>
+            <a:ext uri="{909E8E84-426E-40DD-AFC4-6F175D3DCCD1}">
+              <a14:hiddenFill xmlns:a14="http://schemas.microsoft.com/office/drawing/2010/main">
+                <a:solidFill>
+                  <a:srgbClr val="FFFFFF"/>
+                </a:solidFill>
+              </a14:hiddenFill>
+            </a:ext>
+          </a:extLst>
+        </p:spPr>
+      </p:pic>
     </p:spTree>
   </p:cSld>
   <p:clrMapOvr>
@@ -2095,6 +2233,13 @@
   <p:clrMapOvr>
     <a:masterClrMapping/>
   </p:clrMapOvr>
+  <p:timing>
+    <p:tnLst>
+      <p:par>
+        <p:cTn id="1" dur="indefinite" restart="never" nodeType="tmRoot"/>
+      </p:par>
+    </p:tnLst>
+  </p:timing>
 </p:sld>
 </file>
 
@@ -2298,6 +2443,13 @@
   <p:clrMapOvr>
     <a:masterClrMapping/>
   </p:clrMapOvr>
+  <p:timing>
+    <p:tnLst>
+      <p:par>
+        <p:cTn id="1" dur="indefinite" restart="never" nodeType="tmRoot"/>
+      </p:par>
+    </p:tnLst>
+  </p:timing>
 </p:sld>
 </file>
 
@@ -2345,9 +2497,6 @@
               </a:rPr>
               <a:t>FHIR Ethos</a:t>
             </a:r>
-            <a:endParaRPr lang="en-US" dirty="0" smtClean="0">
-              <a:latin typeface="Calibri" pitchFamily="34" charset="0"/>
-            </a:endParaRPr>
           </a:p>
         </p:txBody>
       </p:sp>
@@ -2527,6 +2676,13 @@
   <p:clrMapOvr>
     <a:masterClrMapping/>
   </p:clrMapOvr>
+  <p:timing>
+    <p:tnLst>
+      <p:par>
+        <p:cTn id="1" dur="indefinite" restart="never" nodeType="tmRoot"/>
+      </p:par>
+    </p:tnLst>
+  </p:timing>
 </p:sld>
 </file>
 
@@ -2574,9 +2730,6 @@
               </a:rPr>
               <a:t>License</a:t>
             </a:r>
-            <a:endParaRPr lang="en-US" dirty="0" smtClean="0">
-              <a:latin typeface="Calibri" pitchFamily="34" charset="0"/>
-            </a:endParaRPr>
           </a:p>
         </p:txBody>
       </p:sp>
@@ -2709,6 +2862,13 @@
   <p:clrMapOvr>
     <a:masterClrMapping/>
   </p:clrMapOvr>
+  <p:timing>
+    <p:tnLst>
+      <p:par>
+        <p:cTn id="1" dur="indefinite" restart="never" nodeType="tmRoot"/>
+      </p:par>
+    </p:tnLst>
+  </p:timing>
 </p:sld>
 </file>
 
@@ -2756,9 +2916,6 @@
               </a:rPr>
               <a:t>Extensions</a:t>
             </a:r>
-            <a:endParaRPr lang="en-US" dirty="0" smtClean="0">
-              <a:latin typeface="Calibri" pitchFamily="34" charset="0"/>
-            </a:endParaRPr>
           </a:p>
         </p:txBody>
       </p:sp>
@@ -2920,6 +3077,13 @@
   <p:clrMapOvr>
     <a:masterClrMapping/>
   </p:clrMapOvr>
+  <p:timing>
+    <p:tnLst>
+      <p:par>
+        <p:cTn id="1" dur="indefinite" restart="never" nodeType="tmRoot"/>
+      </p:par>
+    </p:tnLst>
+  </p:timing>
 </p:sld>
 </file>
 
@@ -2967,9 +3131,6 @@
               </a:rPr>
               <a:t>Collaborations</a:t>
             </a:r>
-            <a:endParaRPr lang="en-US" dirty="0" smtClean="0">
-              <a:latin typeface="Calibri" pitchFamily="34" charset="0"/>
-            </a:endParaRPr>
           </a:p>
         </p:txBody>
       </p:sp>
@@ -3146,6 +3307,13 @@
   <p:clrMapOvr>
     <a:masterClrMapping/>
   </p:clrMapOvr>
+  <p:timing>
+    <p:tnLst>
+      <p:par>
+        <p:cTn id="1" dur="indefinite" restart="never" nodeType="tmRoot"/>
+      </p:par>
+    </p:tnLst>
+  </p:timing>
 </p:sld>
 </file>
 
@@ -3387,6 +3555,13 @@
   <p:clrMapOvr>
     <a:masterClrMapping/>
   </p:clrMapOvr>
+  <p:timing>
+    <p:tnLst>
+      <p:par>
+        <p:cTn id="1" dur="indefinite" restart="never" nodeType="tmRoot"/>
+      </p:par>
+    </p:tnLst>
+  </p:timing>
 </p:sld>
 </file>
 
@@ -3434,9 +3609,6 @@
               </a:rPr>
               <a:t>Follow Up</a:t>
             </a:r>
-            <a:endParaRPr lang="en-US" dirty="0" smtClean="0">
-              <a:latin typeface="Calibri" pitchFamily="34" charset="0"/>
-            </a:endParaRPr>
           </a:p>
         </p:txBody>
       </p:sp>
@@ -3703,9 +3875,6 @@
               </a:rPr>
               <a:t>FHIR</a:t>
             </a:r>
-            <a:endParaRPr lang="en-US" dirty="0" smtClean="0">
-              <a:latin typeface="Calibri" pitchFamily="34" charset="0"/>
-            </a:endParaRPr>
           </a:p>
         </p:txBody>
       </p:sp>
@@ -3751,9 +3920,6 @@
               </a:rPr>
               <a:t>Easy to use and understand</a:t>
             </a:r>
-            <a:endParaRPr lang="en-US" sz="4800" dirty="0" smtClean="0">
-              <a:latin typeface="Calibri" pitchFamily="34" charset="0"/>
-            </a:endParaRPr>
           </a:p>
           <a:p>
             <a:pPr eaLnBrk="1" hangingPunct="1">
@@ -3906,9 +4072,6 @@
               </a:rPr>
               <a:t>Healthcare Standards</a:t>
             </a:r>
-            <a:endParaRPr lang="en-US" dirty="0" smtClean="0">
-              <a:latin typeface="Calibri" pitchFamily="34" charset="0"/>
-            </a:endParaRPr>
           </a:p>
         </p:txBody>
       </p:sp>
@@ -3954,9 +4117,6 @@
               </a:rPr>
               <a:t>Hard to use and understand</a:t>
             </a:r>
-            <a:endParaRPr lang="en-US" sz="4800" dirty="0" smtClean="0">
-              <a:latin typeface="Calibri" pitchFamily="34" charset="0"/>
-            </a:endParaRPr>
           </a:p>
           <a:p>
             <a:pPr eaLnBrk="1" hangingPunct="1">
@@ -4050,6 +4210,13 @@
   <p:clrMapOvr>
     <a:masterClrMapping/>
   </p:clrMapOvr>
+  <p:timing>
+    <p:tnLst>
+      <p:par>
+        <p:cTn id="1" dur="indefinite" restart="never" nodeType="tmRoot"/>
+      </p:par>
+    </p:tnLst>
+  </p:timing>
 </p:sld>
 </file>
 
@@ -4097,9 +4264,6 @@
               </a:rPr>
               <a:t>Healthcare Standards</a:t>
             </a:r>
-            <a:endParaRPr lang="en-US" dirty="0" smtClean="0">
-              <a:latin typeface="Calibri" pitchFamily="34" charset="0"/>
-            </a:endParaRPr>
           </a:p>
         </p:txBody>
       </p:sp>
@@ -4285,6 +4449,13 @@
   <p:clrMapOvr>
     <a:masterClrMapping/>
   </p:clrMapOvr>
+  <p:timing>
+    <p:tnLst>
+      <p:par>
+        <p:cTn id="1" dur="indefinite" restart="never" nodeType="tmRoot"/>
+      </p:par>
+    </p:tnLst>
+  </p:timing>
 </p:sld>
 </file>
 
@@ -4332,9 +4503,6 @@
               </a:rPr>
               <a:t>Introducing FHIR</a:t>
             </a:r>
-            <a:endParaRPr lang="en-US" dirty="0" smtClean="0">
-              <a:latin typeface="Calibri" pitchFamily="34" charset="0"/>
-            </a:endParaRPr>
           </a:p>
         </p:txBody>
       </p:sp>
@@ -4500,6 +4668,13 @@
   <p:clrMapOvr>
     <a:masterClrMapping/>
   </p:clrMapOvr>
+  <p:timing>
+    <p:tnLst>
+      <p:par>
+        <p:cTn id="1" dur="indefinite" restart="never" nodeType="tmRoot"/>
+      </p:par>
+    </p:tnLst>
+  </p:timing>
 </p:sld>
 </file>
 
@@ -4547,9 +4722,6 @@
               </a:rPr>
               <a:t>Resources</a:t>
             </a:r>
-            <a:endParaRPr lang="en-US" dirty="0" smtClean="0">
-              <a:latin typeface="Calibri" pitchFamily="34" charset="0"/>
-            </a:endParaRPr>
           </a:p>
         </p:txBody>
       </p:sp>
@@ -4690,6 +4862,13 @@
   <p:clrMapOvr>
     <a:masterClrMapping/>
   </p:clrMapOvr>
+  <p:timing>
+    <p:tnLst>
+      <p:par>
+        <p:cTn id="1" dur="indefinite" restart="never" nodeType="tmRoot"/>
+      </p:par>
+    </p:tnLst>
+  </p:timing>
 </p:sld>
 </file>
 
@@ -6065,6 +6244,13 @@
   <p:clrMapOvr>
     <a:masterClrMapping/>
   </p:clrMapOvr>
+  <p:timing>
+    <p:tnLst>
+      <p:par>
+        <p:cTn id="1" dur="indefinite" restart="never" nodeType="tmRoot"/>
+      </p:par>
+    </p:tnLst>
+  </p:timing>
 </p:sld>
 </file>
 
@@ -6306,6 +6492,13 @@
   <p:clrMapOvr>
     <a:masterClrMapping/>
   </p:clrMapOvr>
+  <p:timing>
+    <p:tnLst>
+      <p:par>
+        <p:cTn id="1" dur="indefinite" restart="never" nodeType="tmRoot"/>
+      </p:par>
+    </p:tnLst>
+  </p:timing>
 </p:sld>
 </file>
 
@@ -6353,9 +6546,6 @@
               </a:rPr>
               <a:t>Kinds of Resources</a:t>
             </a:r>
-            <a:endParaRPr lang="en-US" dirty="0" smtClean="0">
-              <a:latin typeface="Calibri" pitchFamily="34" charset="0"/>
-            </a:endParaRPr>
           </a:p>
         </p:txBody>
       </p:sp>
@@ -6540,6 +6730,13 @@
   <p:clrMapOvr>
     <a:masterClrMapping/>
   </p:clrMapOvr>
+  <p:timing>
+    <p:tnLst>
+      <p:par>
+        <p:cTn id="1" dur="indefinite" restart="never" nodeType="tmRoot"/>
+      </p:par>
+    </p:tnLst>
+  </p:timing>
 </p:sld>
 </file>
 
@@ -6587,9 +6784,6 @@
               </a:rPr>
               <a:t>Using Resources</a:t>
             </a:r>
-            <a:endParaRPr lang="en-US" dirty="0" smtClean="0">
-              <a:latin typeface="Calibri" pitchFamily="34" charset="0"/>
-            </a:endParaRPr>
           </a:p>
         </p:txBody>
       </p:sp>
@@ -6784,6 +6978,13 @@
   <p:clrMapOvr>
     <a:masterClrMapping/>
   </p:clrMapOvr>
+  <p:timing>
+    <p:tnLst>
+      <p:par>
+        <p:cTn id="1" dur="indefinite" restart="never" nodeType="tmRoot"/>
+      </p:par>
+    </p:tnLst>
+  </p:timing>
 </p:sld>
 </file>
 

--- a/presentations/2013-03 HIMSS/FHIR HIMSS 2013.pptx
+++ b/presentations/2013-03 HIMSS/FHIR HIMSS 2013.pptx
@@ -4749,45 +4749,89 @@
               <a:buNone/>
             </a:pPr>
             <a:r>
+              <a:rPr lang="en-AU" dirty="0" smtClean="0"/>
+              <a:t>Resources </a:t>
+            </a:r>
+            <a:r>
               <a:rPr lang="en-AU" dirty="0"/>
-              <a:t>“Resources” are:</a:t>
-            </a:r>
-          </a:p>
-          <a:p>
+              <a:t>are:</a:t>
+            </a:r>
+          </a:p>
+          <a:p>
+            <a:r>
+              <a:rPr lang="en-AU" dirty="0" smtClean="0"/>
+              <a:t>“Things” that live on the web</a:t>
+            </a:r>
+          </a:p>
+          <a:p>
+            <a:pPr lvl="1"/>
+            <a:r>
+              <a:rPr lang="en-AU" dirty="0">
+                <a:solidFill>
+                  <a:schemeClr val="bg1"/>
+                </a:solidFill>
+              </a:rPr>
+              <a:t>Read/updated </a:t>
+            </a:r>
+            <a:r>
+              <a:rPr lang="en-AU" dirty="0" err="1">
+                <a:solidFill>
+                  <a:schemeClr val="bg1"/>
+                </a:solidFill>
+              </a:rPr>
+              <a:t>etc</a:t>
+            </a:r>
+            <a:r>
+              <a:rPr lang="en-AU" dirty="0">
+                <a:solidFill>
+                  <a:schemeClr val="bg1"/>
+                </a:solidFill>
+              </a:rPr>
+              <a:t> via HTTP</a:t>
+            </a:r>
+            <a:endParaRPr lang="en-AU" dirty="0">
+              <a:solidFill>
+                <a:schemeClr val="bg1"/>
+              </a:solidFill>
+            </a:endParaRPr>
+          </a:p>
+          <a:p>
+            <a:r>
+              <a:rPr lang="en-AU" dirty="0" smtClean="0"/>
+              <a:t>Known content and meaning</a:t>
+            </a:r>
+            <a:endParaRPr lang="en-AU" dirty="0"/>
+          </a:p>
+          <a:p>
+            <a:r>
+              <a:rPr lang="en-AU" dirty="0" smtClean="0"/>
+              <a:t>Identity (= location) – can be moved</a:t>
+            </a:r>
+            <a:endParaRPr lang="en-AU" dirty="0"/>
+          </a:p>
+          <a:p>
+            <a:r>
+              <a:rPr lang="en-AU" dirty="0" smtClean="0"/>
+              <a:t>Represented </a:t>
+            </a:r>
             <a:r>
               <a:rPr lang="en-AU" dirty="0"/>
-              <a:t>Small logically discrete units of exchange</a:t>
-            </a:r>
-          </a:p>
-          <a:p>
-            <a:r>
-              <a:rPr lang="en-AU" dirty="0"/>
-              <a:t>Defined behaviour and meaning</a:t>
-            </a:r>
-          </a:p>
-          <a:p>
-            <a:r>
-              <a:rPr lang="en-AU" dirty="0"/>
-              <a:t>Known identity / location</a:t>
-            </a:r>
-          </a:p>
-          <a:p>
-            <a:r>
-              <a:rPr lang="en-AU" dirty="0"/>
-              <a:t>Smallest unit of transaction</a:t>
-            </a:r>
-          </a:p>
-          <a:p>
-            <a:r>
-              <a:rPr lang="en-AU" dirty="0"/>
-              <a:t>Represented in XML or JSON (or others)</a:t>
-            </a:r>
-          </a:p>
-          <a:p>
-            <a:r>
-              <a:rPr lang="en-AU" dirty="0"/>
-              <a:t>Addressed through HTTP or other methods</a:t>
-            </a:r>
+              <a:t>in XML or JSON (or others</a:t>
+            </a:r>
+            <a:r>
+              <a:rPr lang="en-AU" dirty="0" smtClean="0"/>
+              <a:t>)</a:t>
+            </a:r>
+          </a:p>
+          <a:p>
+            <a:r>
+              <a:rPr lang="en-AU" dirty="0" smtClean="0"/>
+              <a:t>Molecules to build useful systems</a:t>
+            </a:r>
+            <a:endParaRPr lang="en-AU" dirty="0"/>
+          </a:p>
+          <a:p>
+            <a:endParaRPr lang="en-AU" dirty="0"/>
           </a:p>
           <a:p>
             <a:pPr marL="0" indent="0" eaLnBrk="1" hangingPunct="1">

--- a/presentations/2013-03 HIMSS/FHIR HIMSS 2013.pptx
+++ b/presentations/2013-03 HIMSS/FHIR HIMSS 2013.pptx
@@ -261,7 +261,7 @@
             <a:fld id="{13A7FB80-B934-4A12-BAB1-2DE9F68F2A4C}" type="datetimeFigureOut">
               <a:rPr lang="en-US"/>
               <a:pPr/>
-              <a:t>2/28/2013</a:t>
+              <a:t>3/2/2013</a:t>
             </a:fld>
             <a:endParaRPr lang="en-US"/>
           </a:p>
@@ -467,7 +467,7 @@
             <a:fld id="{1A9BA65F-3B6A-42D0-A6F4-53B06D05FB96}" type="datetimeFigureOut">
               <a:rPr lang="en-US"/>
               <a:pPr/>
-              <a:t>2/28/2013</a:t>
+              <a:t>3/2/2013</a:t>
             </a:fld>
             <a:endParaRPr lang="en-US"/>
           </a:p>
@@ -2539,8 +2539,37 @@
                   <a:schemeClr val="bg1"/>
                 </a:solidFill>
               </a:rPr>
-              <a:t>Reference Implementations published</a:t>
-            </a:r>
+              <a:t>Reference Implementations </a:t>
+            </a:r>
+            <a:r>
+              <a:rPr lang="en-AU" dirty="0" smtClean="0">
+                <a:solidFill>
+                  <a:schemeClr val="bg1"/>
+                </a:solidFill>
+              </a:rPr>
+              <a:t>(C#, Java, </a:t>
+            </a:r>
+            <a:r>
+              <a:rPr lang="en-AU" dirty="0" err="1" smtClean="0">
+                <a:solidFill>
+                  <a:schemeClr val="bg1"/>
+                </a:solidFill>
+              </a:rPr>
+              <a:t>etc</a:t>
+            </a:r>
+            <a:r>
+              <a:rPr lang="en-AU" dirty="0" smtClean="0">
+                <a:solidFill>
+                  <a:schemeClr val="bg1"/>
+                </a:solidFill>
+              </a:rPr>
+              <a:t>)</a:t>
+            </a:r>
+            <a:endParaRPr lang="en-AU" dirty="0">
+              <a:solidFill>
+                <a:schemeClr val="bg1"/>
+              </a:solidFill>
+            </a:endParaRPr>
           </a:p>
           <a:p>
             <a:pPr lvl="1"/>
@@ -3385,50 +3414,64 @@
           <a:lstStyle/>
           <a:p>
             <a:r>
-              <a:rPr lang="en-AU" dirty="0"/>
-              <a:t>2 Draft for comments complete</a:t>
-            </a:r>
+              <a:rPr lang="en-AU" dirty="0" smtClean="0"/>
+              <a:t>Internal preparation phase</a:t>
+            </a:r>
+            <a:endParaRPr lang="en-AU" dirty="0"/>
           </a:p>
           <a:p>
             <a:pPr lvl="1"/>
             <a:r>
+              <a:rPr lang="en-AU" dirty="0" smtClean="0">
+                <a:solidFill>
+                  <a:schemeClr val="bg1"/>
+                </a:solidFill>
+              </a:rPr>
+              <a:t>Very </a:t>
+            </a:r>
+            <a:r>
               <a:rPr lang="en-AU" dirty="0">
                 <a:solidFill>
                   <a:schemeClr val="bg1"/>
                 </a:solidFill>
               </a:rPr>
-              <a:t>Infrastructure very solid (implementation focus)</a:t>
+              <a:t>solid </a:t>
+            </a:r>
+            <a:r>
+              <a:rPr lang="en-AU" dirty="0" smtClean="0">
+                <a:solidFill>
+                  <a:schemeClr val="bg1"/>
+                </a:solidFill>
+              </a:rPr>
+              <a:t>infrastructure (implementation </a:t>
+            </a:r>
+            <a:r>
+              <a:rPr lang="en-AU" dirty="0">
+                <a:solidFill>
+                  <a:schemeClr val="bg1"/>
+                </a:solidFill>
+              </a:rPr>
+              <a:t>focus)</a:t>
             </a:r>
           </a:p>
           <a:p>
             <a:pPr lvl="1"/>
             <a:r>
-              <a:rPr lang="en-AU" dirty="0">
+              <a:rPr lang="en-AU" dirty="0" smtClean="0">
                 <a:solidFill>
                   <a:schemeClr val="bg1"/>
                 </a:solidFill>
               </a:rPr>
-              <a:t>Definitions &amp; Mappings need work</a:t>
+              <a:t>More work required still</a:t>
             </a:r>
           </a:p>
           <a:p>
             <a:pPr lvl="1"/>
-            <a:r>
-              <a:rPr lang="en-AU" dirty="0">
-                <a:solidFill>
-                  <a:schemeClr val="bg1"/>
-                </a:solidFill>
-              </a:rPr>
-              <a:t>Resource coverage needs to </a:t>
-            </a:r>
-            <a:r>
-              <a:rPr lang="en-AU" dirty="0" smtClean="0">
-                <a:solidFill>
-                  <a:schemeClr val="bg1"/>
-                </a:solidFill>
-              </a:rPr>
-              <a:t>broaden</a:t>
-            </a:r>
+            <a:endParaRPr lang="en-AU" dirty="0" smtClean="0">
+              <a:solidFill>
+                <a:schemeClr val="bg1"/>
+              </a:solidFill>
+            </a:endParaRPr>
           </a:p>
           <a:p>
             <a:r>
@@ -3468,19 +3511,21 @@
                   <a:schemeClr val="bg1"/>
                 </a:solidFill>
               </a:rPr>
-              <a:t>Publish FHIR as full DSTU end 2013</a:t>
-            </a:r>
-          </a:p>
-          <a:p>
-            <a:pPr lvl="1"/>
-            <a:r>
-              <a:rPr lang="en-AU" dirty="0">
+              <a:t>Publish FHIR as full DSTU end </a:t>
+            </a:r>
+            <a:r>
+              <a:rPr lang="en-AU" dirty="0" smtClean="0">
                 <a:solidFill>
                   <a:schemeClr val="bg1"/>
                 </a:solidFill>
               </a:rPr>
-              <a:t>Testing, real world implementation experience</a:t>
-            </a:r>
+              <a:t>2013</a:t>
+            </a:r>
+            <a:endParaRPr lang="en-AU" dirty="0">
+              <a:solidFill>
+                <a:schemeClr val="bg1"/>
+              </a:solidFill>
+            </a:endParaRPr>
           </a:p>
           <a:p>
             <a:pPr marL="0" indent="0" eaLnBrk="1" hangingPunct="1">
@@ -4789,11 +4834,6 @@
               </a:rPr>
               <a:t> via HTTP</a:t>
             </a:r>
-            <a:endParaRPr lang="en-AU" dirty="0">
-              <a:solidFill>
-                <a:schemeClr val="bg1"/>
-              </a:solidFill>
-            </a:endParaRPr>
           </a:p>
           <a:p>
             <a:r>
@@ -6853,15 +6893,23 @@
           <a:p>
             <a:r>
               <a:rPr lang="en-AU" dirty="0"/>
-              <a:t>Classic HTTP </a:t>
-            </a:r>
-            <a:r>
-              <a:rPr lang="en-AU" dirty="0" err="1"/>
+              <a:t>Classic </a:t>
+            </a:r>
+            <a:r>
+              <a:rPr lang="en-AU" dirty="0" smtClean="0"/>
+              <a:t>Web </a:t>
+            </a:r>
+            <a:r>
+              <a:rPr lang="en-AU" dirty="0" err="1" smtClean="0"/>
               <a:t>RESTful</a:t>
             </a:r>
             <a:r>
+              <a:rPr lang="en-AU" dirty="0" smtClean="0"/>
+              <a:t> </a:t>
+            </a:r>
+            <a:r>
               <a:rPr lang="en-AU" dirty="0"/>
-              <a:t> approach</a:t>
+              <a:t>approach</a:t>
             </a:r>
           </a:p>
           <a:p>
@@ -6877,9 +6925,72 @@
           </a:p>
           <a:p>
             <a:r>
+              <a:rPr lang="en-AU" dirty="0" smtClean="0"/>
+              <a:t>Bundles – use Atom to group them</a:t>
+            </a:r>
+            <a:endParaRPr lang="en-AU" dirty="0"/>
+          </a:p>
+          <a:p>
+            <a:pPr lvl="1"/>
+            <a:r>
+              <a:rPr lang="en-AU" dirty="0" smtClean="0">
+                <a:solidFill>
+                  <a:schemeClr val="bg1"/>
+                </a:solidFill>
+              </a:rPr>
+              <a:t>Internet syndication (publish/subscribe)</a:t>
+            </a:r>
+            <a:endParaRPr lang="en-AU" dirty="0">
+              <a:solidFill>
+                <a:schemeClr val="bg1"/>
+              </a:solidFill>
+            </a:endParaRPr>
+          </a:p>
+          <a:p>
+            <a:pPr lvl="1"/>
+            <a:r>
+              <a:rPr lang="en-AU" dirty="0" smtClean="0">
+                <a:solidFill>
+                  <a:schemeClr val="bg1"/>
+                </a:solidFill>
+              </a:rPr>
+              <a:t>Messages (~v2), </a:t>
+            </a:r>
+            <a:r>
+              <a:rPr lang="en-AU" dirty="0">
+                <a:solidFill>
+                  <a:schemeClr val="bg1"/>
+                </a:solidFill>
+              </a:rPr>
+              <a:t>Documents </a:t>
+            </a:r>
+            <a:r>
+              <a:rPr lang="en-AU" dirty="0" smtClean="0">
+                <a:solidFill>
+                  <a:schemeClr val="bg1"/>
+                </a:solidFill>
+              </a:rPr>
+              <a:t>(~CDA</a:t>
+            </a:r>
+            <a:r>
+              <a:rPr lang="en-AU" dirty="0">
+                <a:solidFill>
+                  <a:schemeClr val="bg1"/>
+                </a:solidFill>
+              </a:rPr>
+              <a:t>)</a:t>
+            </a:r>
+          </a:p>
+          <a:p>
+            <a:r>
               <a:rPr lang="en-AU" dirty="0"/>
-              <a:t>Atom (RSS feed standard)</a:t>
-            </a:r>
+              <a:t>Custom Services (</a:t>
+            </a:r>
+            <a:r>
+              <a:rPr lang="en-AU" dirty="0" smtClean="0"/>
+              <a:t>SOA)</a:t>
+            </a:r>
+            <a:endParaRPr lang="en-AU" dirty="0"/>
           </a:p>
           <a:p>
             <a:pPr lvl="1"/>
@@ -6889,18 +7000,21 @@
                   <a:schemeClr val="bg1"/>
                 </a:solidFill>
               </a:rPr>
-              <a:t>Use Atom to “bundle” resources</a:t>
-            </a:r>
-          </a:p>
-          <a:p>
-            <a:pPr lvl="1"/>
-            <a:r>
-              <a:rPr lang="en-AU" dirty="0">
+              <a:t>Same </a:t>
+            </a:r>
+            <a:r>
+              <a:rPr lang="en-AU" dirty="0" smtClean="0">
                 <a:solidFill>
                   <a:schemeClr val="bg1"/>
                 </a:solidFill>
               </a:rPr>
-              <a:t>Pub/sub framework, </a:t>
+              <a:t>content / base rules </a:t>
+            </a:r>
+          </a:p>
+          <a:p>
+            <a:r>
+              <a:rPr lang="en-AU" dirty="0" smtClean="0"/>
+              <a:t>P</a:t>
             </a:r>
             <a:r>
               <a:rPr lang="en-AU" dirty="0" smtClean="0">
@@ -6908,40 +7022,7 @@
                   <a:schemeClr val="bg1"/>
                 </a:solidFill>
               </a:rPr>
-              <a:t>Transactions, Messages </a:t>
-            </a:r>
-            <a:r>
-              <a:rPr lang="en-AU" dirty="0">
-                <a:solidFill>
-                  <a:schemeClr val="bg1"/>
-                </a:solidFill>
-              </a:rPr>
-              <a:t>(v2-like), Documents (per CDA)</a:t>
-            </a:r>
-          </a:p>
-          <a:p>
-            <a:r>
-              <a:rPr lang="en-AU" dirty="0"/>
-              <a:t>Custom Services / SOA</a:t>
-            </a:r>
-          </a:p>
-          <a:p>
-            <a:pPr lvl="1"/>
-            <a:r>
-              <a:rPr lang="en-AU" dirty="0">
-                <a:solidFill>
-                  <a:schemeClr val="bg1"/>
-                </a:solidFill>
-              </a:rPr>
-              <a:t>Same </a:t>
-            </a:r>
-            <a:r>
-              <a:rPr lang="en-AU" dirty="0" smtClean="0">
-                <a:solidFill>
-                  <a:schemeClr val="bg1"/>
-                </a:solidFill>
-              </a:rPr>
-              <a:t>content / base rules : portability</a:t>
+              <a:t>ortability</a:t>
             </a:r>
             <a:endParaRPr lang="en-AU" dirty="0">
               <a:solidFill>
